--- a/Ben VG - 1_05_02_PPT_Know Thyself_070124.pptx
+++ b/Ben VG - 1_05_02_PPT_Know Thyself_070124.pptx
@@ -262,8 +262,11 @@
     </a:lvl9pPr>
   </p:defaultTextStyle>
   <p:extLst>
+    <p:ext uri="{EFAFB233-063F-42B5-8137-9DF3F51BA10A}">
+      <p15:sldGuideLst xmlns:p15="http://schemas.microsoft.com/office/powerpoint/2012/main"/>
+    </p:ext>
     <p:ext uri="GoogleSlidesCustomDataVersion2">
-      <go:slidesCustomData xmlns:go="http://customooxmlschemas.google.com/" xmlns:ahyp="http://schemas.microsoft.com/office/drawing/2018/hyperlinkcolor" xmlns:p15="http://schemas.microsoft.com/office/powerpoint/2012/main" xmlns:p14="http://schemas.microsoft.com/office/powerpoint/2010/main" xmlns:com="http://schemas.openxmlformats.org/drawingml/2006/compatibility" xmlns:pvml="urn:schemas-microsoft-com:office:powerpoint" xmlns:v="urn:schemas-microsoft-com:vml" xmlns:o="urn:schemas-microsoft-com:office:office" xmlns:dgm="http://schemas.openxmlformats.org/drawingml/2006/diagram" xmlns:c="http://schemas.openxmlformats.org/drawingml/2006/chart" xmlns:mv="urn:schemas-microsoft-com:mac:vml" xmlns:mc="http://schemas.openxmlformats.org/markup-compatibility/2006" xmlns="" r:id="rId21" roundtripDataSignature="AMtx7mh4BQG1YtdQn5SY4/8precxAFoOPQ=="/>
+      <go:slidesCustomData xmlns="" xmlns:mc="http://schemas.openxmlformats.org/markup-compatibility/2006" xmlns:mv="urn:schemas-microsoft-com:mac:vml" xmlns:c="http://schemas.openxmlformats.org/drawingml/2006/chart" xmlns:dgm="http://schemas.openxmlformats.org/drawingml/2006/diagram" xmlns:o="urn:schemas-microsoft-com:office:office" xmlns:v="urn:schemas-microsoft-com:vml" xmlns:pvml="urn:schemas-microsoft-com:office:powerpoint" xmlns:com="http://schemas.openxmlformats.org/drawingml/2006/compatibility" xmlns:p14="http://schemas.microsoft.com/office/powerpoint/2010/main" xmlns:p15="http://schemas.microsoft.com/office/powerpoint/2012/main" xmlns:ahyp="http://schemas.microsoft.com/office/drawing/2018/hyperlinkcolor" xmlns:go="http://customooxmlschemas.google.com/" r:id="rId21" roundtripDataSignature="AMtx7mh4BQG1YtdQn5SY4/8precxAFoOPQ=="/>
     </p:ext>
   </p:extLst>
 </p:presentation>
@@ -2005,9 +2008,8 @@
             </a:pPr>
             <a:r>
               <a:rPr lang="en-US" sz="1600" b="1" dirty="0"/>
-              <a:t>Throughout the Wood Badge course, there will be opportunities to learn more about personal growth and personal planning. These concepts will enhance leadership capabilities and set</a:t>
+              <a:t>Throughout the Wood Badge course, there will be opportunities to learn more about personal growth and personal planning. </a:t>
             </a:r>
-            <a:endParaRPr sz="1600" b="1" dirty="0"/>
           </a:p>
           <a:p>
             <a:pPr marL="0" lvl="0" indent="0" algn="l" rtl="0">
@@ -2017,11 +2019,33 @@
               <a:spcAft>
                 <a:spcPts val="0"/>
               </a:spcAft>
+              <a:buClr>
+                <a:schemeClr val="dk1"/>
+              </a:buClr>
+              <a:buSzPts val="1100"/>
+              <a:buFont typeface="Arial"/>
+              <a:buNone/>
+            </a:pPr>
+            <a:endParaRPr lang="en-US" sz="1600" b="1" dirty="0"/>
+          </a:p>
+          <a:p>
+            <a:pPr marL="0" lvl="0" indent="0" algn="l" rtl="0">
+              <a:spcBef>
+                <a:spcPts val="0"/>
+              </a:spcBef>
+              <a:spcAft>
+                <a:spcPts val="0"/>
+              </a:spcAft>
+              <a:buClr>
+                <a:schemeClr val="dk1"/>
+              </a:buClr>
+              <a:buSzPts val="1100"/>
+              <a:buFont typeface="Arial"/>
               <a:buNone/>
             </a:pPr>
             <a:r>
               <a:rPr lang="en-US" sz="1600" b="1" dirty="0"/>
-              <a:t>each individual up for success in personal, professional, and Scouting life.</a:t>
+              <a:t>These concepts will enhance leadership capabilities and set each individual up for success in personal, professional, and Scouting life.</a:t>
             </a:r>
             <a:endParaRPr sz="1600" b="1" dirty="0"/>
           </a:p>
@@ -2129,7 +2153,34 @@
             </a:pPr>
             <a:r>
               <a:rPr lang="en-US" sz="1600" dirty="0"/>
-              <a:t>The tool representing this session is a mirror. We must first look at our own values to appreciate the values of others.</a:t>
+              <a:t>The tool representing this session is a mirror. </a:t>
+            </a:r>
+          </a:p>
+          <a:p>
+            <a:pPr marL="0" lvl="0" indent="0" algn="l" rtl="0">
+              <a:spcBef>
+                <a:spcPts val="0"/>
+              </a:spcBef>
+              <a:spcAft>
+                <a:spcPts val="0"/>
+              </a:spcAft>
+              <a:buNone/>
+            </a:pPr>
+            <a:endParaRPr lang="en-US" sz="1600" dirty="0"/>
+          </a:p>
+          <a:p>
+            <a:pPr marL="0" lvl="0" indent="0" algn="l" rtl="0">
+              <a:spcBef>
+                <a:spcPts val="0"/>
+              </a:spcBef>
+              <a:spcAft>
+                <a:spcPts val="0"/>
+              </a:spcAft>
+              <a:buNone/>
+            </a:pPr>
+            <a:r>
+              <a:rPr lang="en-US" sz="1600" dirty="0"/>
+              <a:t>We must first look at our own values to appreciate the values of others.</a:t>
             </a:r>
             <a:endParaRPr sz="1600" dirty="0"/>
           </a:p>
@@ -2265,38 +2316,6 @@
             </a:pPr>
             <a:r>
               <a:rPr lang="en-US" sz="1200" dirty="0"/>
-              <a:t>How would you define values?</a:t>
-            </a:r>
-            <a:endParaRPr sz="1200" dirty="0"/>
-          </a:p>
-          <a:p>
-            <a:pPr marL="0" lvl="0" indent="0" algn="l" rtl="0">
-              <a:spcBef>
-                <a:spcPts val="0"/>
-              </a:spcBef>
-              <a:spcAft>
-                <a:spcPts val="0"/>
-              </a:spcAft>
-              <a:buNone/>
-            </a:pPr>
-            <a:r>
-              <a:rPr lang="en-US" sz="1200" dirty="0"/>
-              <a:t>Where do values come from?</a:t>
-            </a:r>
-            <a:endParaRPr sz="1200" dirty="0"/>
-          </a:p>
-          <a:p>
-            <a:pPr marL="0" lvl="0" indent="0" algn="l" rtl="0">
-              <a:spcBef>
-                <a:spcPts val="0"/>
-              </a:spcBef>
-              <a:spcAft>
-                <a:spcPts val="0"/>
-              </a:spcAft>
-              <a:buNone/>
-            </a:pPr>
-            <a:r>
-              <a:rPr lang="en-US" sz="1200" dirty="0"/>
               <a:t>What are some examples of value statements?</a:t>
             </a:r>
             <a:endParaRPr sz="1200" dirty="0"/>
@@ -2413,7 +2432,7 @@
             </a:pPr>
             <a:r>
               <a:rPr lang="en-US" sz="1200" dirty="0"/>
-              <a:t>Can you share an example of someone living their espoused values?</a:t>
+              <a:t>Can you share an example of someone living their values?</a:t>
             </a:r>
             <a:endParaRPr sz="1200" dirty="0"/>
           </a:p>
@@ -2446,8 +2465,44 @@
             </a:pPr>
             <a:r>
               <a:rPr lang="en-US" sz="1600" b="1" dirty="0"/>
-              <a:t>Values are who we are, not who we would like to be or who we think we should be.</a:t>
+              <a:t>Values are who we are, not who we would like to be </a:t>
             </a:r>
+          </a:p>
+          <a:p>
+            <a:pPr marL="0" lvl="0" indent="0" algn="l" rtl="0">
+              <a:spcBef>
+                <a:spcPts val="0"/>
+              </a:spcBef>
+              <a:spcAft>
+                <a:spcPts val="0"/>
+              </a:spcAft>
+              <a:buClr>
+                <a:schemeClr val="dk1"/>
+              </a:buClr>
+              <a:buSzPts val="1100"/>
+              <a:buFont typeface="Arial"/>
+              <a:buNone/>
+            </a:pPr>
+            <a:r>
+              <a:rPr lang="en-US" sz="1600" b="1" dirty="0"/>
+              <a:t>	or who we think we should be.</a:t>
+            </a:r>
+          </a:p>
+          <a:p>
+            <a:pPr marL="0" lvl="0" indent="0" algn="l" rtl="0">
+              <a:spcBef>
+                <a:spcPts val="0"/>
+              </a:spcBef>
+              <a:spcAft>
+                <a:spcPts val="0"/>
+              </a:spcAft>
+              <a:buClr>
+                <a:schemeClr val="dk1"/>
+              </a:buClr>
+              <a:buSzPts val="1100"/>
+              <a:buFont typeface="Arial"/>
+              <a:buNone/>
+            </a:pPr>
             <a:endParaRPr sz="1600" b="1" dirty="0"/>
           </a:p>
           <a:p>
@@ -3284,9 +3339,8 @@
             </a:pPr>
             <a:r>
               <a:rPr lang="en-US" sz="1600" dirty="0"/>
-              <a:t>Our ability to “walk the walk,” to live out our core values, is a gauge for measuring our ability to lead ourselves. When our actions are aligned with our values, we are in a position to lead</a:t>
+              <a:t>Our ability to “walk the walk,” to live out our core values, is a gauge for measuring our ability to lead ourselves. </a:t>
             </a:r>
-            <a:endParaRPr sz="1600" dirty="0"/>
           </a:p>
           <a:p>
             <a:pPr marL="0" lvl="0" indent="0" algn="l" rtl="0">
@@ -3298,11 +3352,23 @@
               </a:spcAft>
               <a:buNone/>
             </a:pPr>
+            <a:endParaRPr lang="en-US" sz="1800" dirty="0"/>
+          </a:p>
+          <a:p>
+            <a:pPr marL="0" lvl="0" indent="0" algn="l" rtl="0">
+              <a:spcBef>
+                <a:spcPts val="0"/>
+              </a:spcBef>
+              <a:spcAft>
+                <a:spcPts val="0"/>
+              </a:spcAft>
+              <a:buNone/>
+            </a:pPr>
             <a:r>
-              <a:rPr lang="en-US" sz="1600" dirty="0"/>
-              <a:t>ourselves.</a:t>
+              <a:rPr lang="en-US" sz="1800" dirty="0"/>
+              <a:t>When our actions are aligned with our values, we are in a position to lead ourselves.</a:t>
             </a:r>
-            <a:endParaRPr sz="1600" dirty="0"/>
+            <a:endParaRPr sz="1800" dirty="0"/>
           </a:p>
         </p:txBody>
       </p:sp>

--- a/Ben VG - 1_05_02_PPT_Know Thyself_070124.pptx
+++ b/Ben VG - 1_05_02_PPT_Know Thyself_070124.pptx
@@ -266,7 +266,7 @@
       <p15:sldGuideLst xmlns:p15="http://schemas.microsoft.com/office/powerpoint/2012/main"/>
     </p:ext>
     <p:ext uri="GoogleSlidesCustomDataVersion2">
-      <go:slidesCustomData xmlns="" xmlns:mc="http://schemas.openxmlformats.org/markup-compatibility/2006" xmlns:mv="urn:schemas-microsoft-com:mac:vml" xmlns:c="http://schemas.openxmlformats.org/drawingml/2006/chart" xmlns:dgm="http://schemas.openxmlformats.org/drawingml/2006/diagram" xmlns:o="urn:schemas-microsoft-com:office:office" xmlns:v="urn:schemas-microsoft-com:vml" xmlns:pvml="urn:schemas-microsoft-com:office:powerpoint" xmlns:com="http://schemas.openxmlformats.org/drawingml/2006/compatibility" xmlns:p14="http://schemas.microsoft.com/office/powerpoint/2010/main" xmlns:p15="http://schemas.microsoft.com/office/powerpoint/2012/main" xmlns:ahyp="http://schemas.microsoft.com/office/drawing/2018/hyperlinkcolor" xmlns:go="http://customooxmlschemas.google.com/" r:id="rId21" roundtripDataSignature="AMtx7mh4BQG1YtdQn5SY4/8precxAFoOPQ=="/>
+      <go:slidesCustomData xmlns:go="http://customooxmlschemas.google.com/" xmlns:ahyp="http://schemas.microsoft.com/office/drawing/2018/hyperlinkcolor" xmlns:p15="http://schemas.microsoft.com/office/powerpoint/2012/main" xmlns:p14="http://schemas.microsoft.com/office/powerpoint/2010/main" xmlns:com="http://schemas.openxmlformats.org/drawingml/2006/compatibility" xmlns:pvml="urn:schemas-microsoft-com:office:powerpoint" xmlns:v="urn:schemas-microsoft-com:vml" xmlns:o="urn:schemas-microsoft-com:office:office" xmlns:dgm="http://schemas.openxmlformats.org/drawingml/2006/diagram" xmlns:c="http://schemas.openxmlformats.org/drawingml/2006/chart" xmlns:mv="urn:schemas-microsoft-com:mac:vml" xmlns:mc="http://schemas.openxmlformats.org/markup-compatibility/2006" xmlns="" r:id="rId21" roundtripDataSignature="AMtx7mh4BQG1YtdQn5SY4/8precxAFoOPQ=="/>
     </p:ext>
   </p:extLst>
 </p:presentation>
@@ -3544,7 +3544,7 @@
               <a:buFont typeface="Arial"/>
               <a:buNone/>
             </a:pPr>
-            <a:endParaRPr sz="1300" dirty="0"/>
+            <a:endParaRPr lang="en-US" sz="1300" dirty="0"/>
           </a:p>
           <a:p>
             <a:pPr marL="0" lvl="0" indent="0" algn="l" rtl="0">
@@ -3562,22 +3562,14 @@
               <a:buNone/>
             </a:pPr>
             <a:r>
-              <a:rPr lang="en-US" sz="1300" dirty="0"/>
-              <a:t>Using the Pre-course Assignment, ask each den member to share their answer to one of these questions:</a:t>
+              <a:rPr lang="en-US" sz="1600" b="1" dirty="0"/>
+              <a:t>TICKET – Focus on the skills you need to lead yourself and how it could be applied to </a:t>
             </a:r>
-            <a:endParaRPr sz="1300" dirty="0"/>
-          </a:p>
-          <a:p>
-            <a:pPr marL="0" lvl="0" indent="0" algn="l" rtl="0">
-              <a:spcBef>
-                <a:spcPts val="0"/>
-              </a:spcBef>
-              <a:spcAft>
-                <a:spcPts val="0"/>
-              </a:spcAft>
-              <a:buNone/>
-            </a:pPr>
-            <a:endParaRPr dirty="0"/>
+            <a:r>
+              <a:rPr lang="en-US" sz="1600" b="1"/>
+              <a:t>their ticket</a:t>
+            </a:r>
+            <a:endParaRPr sz="1300" b="1" dirty="0"/>
           </a:p>
         </p:txBody>
       </p:sp>
